--- a/Theory/END SEM/KOMAL/HTML.pptx
+++ b/Theory/END SEM/KOMAL/HTML.pptx
@@ -166,6 +166,38 @@
       </pc:sldChg>
     </pc:docChg>
   </pc:docChgLst>
+  <pc:docChgLst>
+    <pc:chgData name="HarshShah" userId="09f0fd61-6b86-4661-b86c-1b6ee46cae57" providerId="ADAL" clId="{8F33CB29-B00A-4605-AF95-EC0E6D286E2B}"/>
+    <pc:docChg chg="undo custSel modSld">
+      <pc:chgData name="HarshShah" userId="09f0fd61-6b86-4661-b86c-1b6ee46cae57" providerId="ADAL" clId="{8F33CB29-B00A-4605-AF95-EC0E6D286E2B}" dt="2023-12-06T00:07:39.397" v="11" actId="1076"/>
+      <pc:docMkLst>
+        <pc:docMk/>
+      </pc:docMkLst>
+      <pc:sldChg chg="modSp mod">
+        <pc:chgData name="HarshShah" userId="09f0fd61-6b86-4661-b86c-1b6ee46cae57" providerId="ADAL" clId="{8F33CB29-B00A-4605-AF95-EC0E6D286E2B}" dt="2023-12-06T00:07:39.397" v="11" actId="1076"/>
+        <pc:sldMkLst>
+          <pc:docMk/>
+          <pc:sldMk cId="3884582776" sldId="258"/>
+        </pc:sldMkLst>
+        <pc:spChg chg="mod">
+          <ac:chgData name="HarshShah" userId="09f0fd61-6b86-4661-b86c-1b6ee46cae57" providerId="ADAL" clId="{8F33CB29-B00A-4605-AF95-EC0E6D286E2B}" dt="2023-12-06T00:07:34.636" v="10" actId="1076"/>
+          <ac:spMkLst>
+            <pc:docMk/>
+            <pc:sldMk cId="3884582776" sldId="258"/>
+            <ac:spMk id="18" creationId="{00000000-0000-0000-0000-000000000000}"/>
+          </ac:spMkLst>
+        </pc:spChg>
+        <pc:spChg chg="mod">
+          <ac:chgData name="HarshShah" userId="09f0fd61-6b86-4661-b86c-1b6ee46cae57" providerId="ADAL" clId="{8F33CB29-B00A-4605-AF95-EC0E6D286E2B}" dt="2023-12-06T00:07:39.397" v="11" actId="1076"/>
+          <ac:spMkLst>
+            <pc:docMk/>
+            <pc:sldMk cId="3884582776" sldId="258"/>
+            <ac:spMk id="19" creationId="{00000000-0000-0000-0000-000000000000}"/>
+          </ac:spMkLst>
+        </pc:spChg>
+      </pc:sldChg>
+    </pc:docChg>
+  </pc:docChgLst>
 </pc:chgInfo>
 </file>
 
@@ -298,7 +330,7 @@
           <a:p>
             <a:fld id="{3ADE2BA8-7957-44D5-9C38-E35C9B67B518}" type="datetimeFigureOut">
               <a:rPr lang="en-US" smtClean="0"/>
-              <a:t>9/19/2023</a:t>
+              <a:t>12/6/2023</a:t>
             </a:fld>
             <a:endParaRPr lang="en-US"/>
           </a:p>
@@ -466,7 +498,7 @@
           <a:p>
             <a:fld id="{3ADE2BA8-7957-44D5-9C38-E35C9B67B518}" type="datetimeFigureOut">
               <a:rPr lang="en-US" smtClean="0"/>
-              <a:t>9/19/2023</a:t>
+              <a:t>12/6/2023</a:t>
             </a:fld>
             <a:endParaRPr lang="en-US"/>
           </a:p>
@@ -644,7 +676,7 @@
           <a:p>
             <a:fld id="{3ADE2BA8-7957-44D5-9C38-E35C9B67B518}" type="datetimeFigureOut">
               <a:rPr lang="en-US" smtClean="0"/>
-              <a:t>9/19/2023</a:t>
+              <a:t>12/6/2023</a:t>
             </a:fld>
             <a:endParaRPr lang="en-US"/>
           </a:p>
@@ -812,7 +844,7 @@
           <a:p>
             <a:fld id="{3ADE2BA8-7957-44D5-9C38-E35C9B67B518}" type="datetimeFigureOut">
               <a:rPr lang="en-US" smtClean="0"/>
-              <a:t>9/19/2023</a:t>
+              <a:t>12/6/2023</a:t>
             </a:fld>
             <a:endParaRPr lang="en-US"/>
           </a:p>
@@ -1057,7 +1089,7 @@
           <a:p>
             <a:fld id="{3ADE2BA8-7957-44D5-9C38-E35C9B67B518}" type="datetimeFigureOut">
               <a:rPr lang="en-US" smtClean="0"/>
-              <a:t>9/19/2023</a:t>
+              <a:t>12/6/2023</a:t>
             </a:fld>
             <a:endParaRPr lang="en-US"/>
           </a:p>
@@ -1286,7 +1318,7 @@
           <a:p>
             <a:fld id="{3ADE2BA8-7957-44D5-9C38-E35C9B67B518}" type="datetimeFigureOut">
               <a:rPr lang="en-US" smtClean="0"/>
-              <a:t>9/19/2023</a:t>
+              <a:t>12/6/2023</a:t>
             </a:fld>
             <a:endParaRPr lang="en-US"/>
           </a:p>
@@ -1650,7 +1682,7 @@
           <a:p>
             <a:fld id="{3ADE2BA8-7957-44D5-9C38-E35C9B67B518}" type="datetimeFigureOut">
               <a:rPr lang="en-US" smtClean="0"/>
-              <a:t>9/19/2023</a:t>
+              <a:t>12/6/2023</a:t>
             </a:fld>
             <a:endParaRPr lang="en-US"/>
           </a:p>
@@ -1767,7 +1799,7 @@
           <a:p>
             <a:fld id="{3ADE2BA8-7957-44D5-9C38-E35C9B67B518}" type="datetimeFigureOut">
               <a:rPr lang="en-US" smtClean="0"/>
-              <a:t>9/19/2023</a:t>
+              <a:t>12/6/2023</a:t>
             </a:fld>
             <a:endParaRPr lang="en-US"/>
           </a:p>
@@ -1862,7 +1894,7 @@
           <a:p>
             <a:fld id="{3ADE2BA8-7957-44D5-9C38-E35C9B67B518}" type="datetimeFigureOut">
               <a:rPr lang="en-US" smtClean="0"/>
-              <a:t>9/19/2023</a:t>
+              <a:t>12/6/2023</a:t>
             </a:fld>
             <a:endParaRPr lang="en-US"/>
           </a:p>
@@ -2137,7 +2169,7 @@
           <a:p>
             <a:fld id="{3ADE2BA8-7957-44D5-9C38-E35C9B67B518}" type="datetimeFigureOut">
               <a:rPr lang="en-US" smtClean="0"/>
-              <a:t>9/19/2023</a:t>
+              <a:t>12/6/2023</a:t>
             </a:fld>
             <a:endParaRPr lang="en-US"/>
           </a:p>
@@ -2389,7 +2421,7 @@
           <a:p>
             <a:fld id="{3ADE2BA8-7957-44D5-9C38-E35C9B67B518}" type="datetimeFigureOut">
               <a:rPr lang="en-US" smtClean="0"/>
-              <a:t>9/19/2023</a:t>
+              <a:t>12/6/2023</a:t>
             </a:fld>
             <a:endParaRPr lang="en-US"/>
           </a:p>
@@ -2600,7 +2632,7 @@
           <a:p>
             <a:fld id="{3ADE2BA8-7957-44D5-9C38-E35C9B67B518}" type="datetimeFigureOut">
               <a:rPr lang="en-US" smtClean="0"/>
-              <a:t>9/19/2023</a:t>
+              <a:t>12/6/2023</a:t>
             </a:fld>
             <a:endParaRPr lang="en-US"/>
           </a:p>
@@ -3943,8 +3975,8 @@
         </p:nvSpPr>
         <p:spPr>
           <a:xfrm>
-            <a:off x="3428999" y="2906486"/>
-            <a:ext cx="1845130" cy="3118757"/>
+            <a:off x="3241907" y="3012632"/>
+            <a:ext cx="2007043" cy="2455722"/>
           </a:xfrm>
           <a:prstGeom prst="rect">
             <a:avLst/>
@@ -4044,8 +4076,8 @@
         </p:nvSpPr>
         <p:spPr>
           <a:xfrm>
-            <a:off x="7391399" y="2914140"/>
-            <a:ext cx="1845130" cy="3118757"/>
+            <a:off x="7209748" y="3005593"/>
+            <a:ext cx="2007043" cy="2462761"/>
           </a:xfrm>
           <a:prstGeom prst="rect">
             <a:avLst/>
@@ -5321,6 +5353,21 @@
 </file>
 
 <file path=customXml/item1.xml><?xml version="1.0" encoding="utf-8"?>
+<?mso-contentType ?>
+<FormTemplates xmlns="http://schemas.microsoft.com/sharepoint/v3/contenttype/forms">
+  <Display>DocumentLibraryForm</Display>
+  <Edit>DocumentLibraryForm</Edit>
+  <New>DocumentLibraryForm</New>
+</FormTemplates>
+</file>
+
+<file path=customXml/item2.xml><?xml version="1.0" encoding="utf-8"?>
+<p:properties xmlns:p="http://schemas.microsoft.com/office/2006/metadata/properties" xmlns:xsi="http://www.w3.org/2001/XMLSchema-instance" xmlns:pc="http://schemas.microsoft.com/office/infopath/2007/PartnerControls">
+  <documentManagement/>
+</p:properties>
+</file>
+
+<file path=customXml/item3.xml><?xml version="1.0" encoding="utf-8"?>
 <ct:contentTypeSchema xmlns:ct="http://schemas.microsoft.com/office/2006/metadata/contentType" xmlns:ma="http://schemas.microsoft.com/office/2006/metadata/properties/metaAttributes" ct:_="" ma:_="" ma:contentTypeName="Document" ma:contentTypeID="0x010100536A538AAED5104C94A8EF3269CB64AE" ma:contentTypeVersion="0" ma:contentTypeDescription="Create a new document." ma:contentTypeScope="" ma:versionID="310e003e8e972b7117fc43255605a7c0">
   <xsd:schema xmlns:xsd="http://www.w3.org/2001/XMLSchema" xmlns:xs="http://www.w3.org/2001/XMLSchema" xmlns:p="http://schemas.microsoft.com/office/2006/metadata/properties" targetNamespace="http://schemas.microsoft.com/office/2006/metadata/properties" ma:root="true" ma:fieldsID="b764bea3eb9b1a5be8fd57fac5fb459b">
     <xsd:element name="properties">
@@ -5434,33 +5481,10 @@
 </ct:contentTypeSchema>
 </file>
 
-<file path=customXml/item2.xml><?xml version="1.0" encoding="utf-8"?>
-<p:properties xmlns:p="http://schemas.microsoft.com/office/2006/metadata/properties" xmlns:xsi="http://www.w3.org/2001/XMLSchema-instance" xmlns:pc="http://schemas.microsoft.com/office/infopath/2007/PartnerControls">
-  <documentManagement/>
-</p:properties>
-</file>
-
-<file path=customXml/item3.xml><?xml version="1.0" encoding="utf-8"?>
-<?mso-contentType ?>
-<FormTemplates xmlns="http://schemas.microsoft.com/sharepoint/v3/contenttype/forms">
-  <Display>DocumentLibraryForm</Display>
-  <Edit>DocumentLibraryForm</Edit>
-  <New>DocumentLibraryForm</New>
-</FormTemplates>
-</file>
-
 <file path=customXml/itemProps1.xml><?xml version="1.0" encoding="utf-8"?>
-<ds:datastoreItem xmlns:ds="http://schemas.openxmlformats.org/officeDocument/2006/customXml" ds:itemID="{7074DCB6-879E-497B-A291-F287FFE9FECF}">
+<ds:datastoreItem xmlns:ds="http://schemas.openxmlformats.org/officeDocument/2006/customXml" ds:itemID="{96CA6336-271A-4117-BA20-4A93BBEDA42B}">
   <ds:schemaRefs>
-    <ds:schemaRef ds:uri="http://schemas.microsoft.com/office/2006/metadata/contentType"/>
-    <ds:schemaRef ds:uri="http://schemas.microsoft.com/office/2006/metadata/properties/metaAttributes"/>
-    <ds:schemaRef ds:uri="http://www.w3.org/2001/XMLSchema"/>
-    <ds:schemaRef ds:uri="http://schemas.microsoft.com/office/2006/metadata/properties"/>
-    <ds:schemaRef ds:uri="http://schemas.openxmlformats.org/package/2006/metadata/core-properties"/>
-    <ds:schemaRef ds:uri="http://purl.org/dc/elements/1.1/"/>
-    <ds:schemaRef ds:uri="http://purl.org/dc/terms/"/>
-    <ds:schemaRef ds:uri="http://schemas.microsoft.com/internal/obd"/>
-    <ds:schemaRef ds:uri="http://schemas.microsoft.com/office/infopath/2007/PartnerControls"/>
+    <ds:schemaRef ds:uri="http://schemas.microsoft.com/sharepoint/v3/contenttype/forms"/>
   </ds:schemaRefs>
 </ds:datastoreItem>
 </file>
@@ -5475,9 +5499,17 @@
 </file>
 
 <file path=customXml/itemProps3.xml><?xml version="1.0" encoding="utf-8"?>
-<ds:datastoreItem xmlns:ds="http://schemas.openxmlformats.org/officeDocument/2006/customXml" ds:itemID="{96CA6336-271A-4117-BA20-4A93BBEDA42B}">
+<ds:datastoreItem xmlns:ds="http://schemas.openxmlformats.org/officeDocument/2006/customXml" ds:itemID="{7074DCB6-879E-497B-A291-F287FFE9FECF}">
   <ds:schemaRefs>
-    <ds:schemaRef ds:uri="http://schemas.microsoft.com/sharepoint/v3/contenttype/forms"/>
+    <ds:schemaRef ds:uri="http://schemas.microsoft.com/office/2006/metadata/contentType"/>
+    <ds:schemaRef ds:uri="http://schemas.microsoft.com/office/2006/metadata/properties/metaAttributes"/>
+    <ds:schemaRef ds:uri="http://www.w3.org/2001/XMLSchema"/>
+    <ds:schemaRef ds:uri="http://schemas.microsoft.com/office/2006/metadata/properties"/>
+    <ds:schemaRef ds:uri="http://schemas.openxmlformats.org/package/2006/metadata/core-properties"/>
+    <ds:schemaRef ds:uri="http://purl.org/dc/elements/1.1/"/>
+    <ds:schemaRef ds:uri="http://purl.org/dc/terms/"/>
+    <ds:schemaRef ds:uri="http://schemas.microsoft.com/internal/obd"/>
+    <ds:schemaRef ds:uri="http://schemas.microsoft.com/office/infopath/2007/PartnerControls"/>
   </ds:schemaRefs>
 </ds:datastoreItem>
 </file>